--- a/src/croco-blitz-source/Osennyaya_igra_3.pptx
+++ b/src/croco-blitz-source/Osennyaya_igra_3.pptx
@@ -306,6 +306,7 @@
     <p:sldId id="1368" r:id="rId297"/>
     <p:sldId id="1369" r:id="rId298"/>
     <p:sldId id="1370" r:id="rId299"/>
+    <p:sldId id="1386" r:id="rId305"/>
   </p:sldIdLst>
   <p:sldSz cx="12192000" cy="6858000"/>
   <p:notesSz cx="6858000" cy="9144000"/>
@@ -51837,6 +51838,58 @@
 </p:sld>
 </file>
 
+<file path=ppt/slides/slide299.xml><?xml version="1.0" encoding="utf-8"?>
+<p:sld xmlns:a="http://schemas.openxmlformats.org/drawingml/2006/main" xmlns:p="http://schemas.openxmlformats.org/presentationml/2006/main" xmlns:r="http://schemas.openxmlformats.org/officeDocument/2006/relationships">
+  <p:cSld>
+    <p:spTree>
+      <p:nvGrpSpPr>
+        <p:cNvPr id="1" name=""/>
+        <p:cNvGrpSpPr/>
+        <p:nvPr/>
+      </p:nvGrpSpPr>
+      <p:grpSpPr/>
+      <p:sp>
+        <p:nvSpPr>
+          <p:cNvPr id="2" name="Title 1"/>
+          <p:cNvSpPr>
+            <a:spLocks noGrp="1"/>
+          </p:cNvSpPr>
+          <p:nvPr>
+            <p:ph type="ctrTitle"/>
+          </p:nvPr>
+        </p:nvSpPr>
+        <p:spPr/>
+        <p:txBody>
+          <a:bodyPr/>
+          <a:lstStyle/>
+          <a:p/>
+        </p:txBody>
+      </p:sp>
+      <p:sp>
+        <p:nvSpPr>
+          <p:cNvPr id="3" name="Subtitle 2"/>
+          <p:cNvSpPr>
+            <a:spLocks noGrp="1"/>
+          </p:cNvSpPr>
+          <p:nvPr>
+            <p:ph type="subTitle" idx="1"/>
+          </p:nvPr>
+        </p:nvSpPr>
+        <p:spPr/>
+        <p:txBody>
+          <a:bodyPr/>
+          <a:lstStyle/>
+          <a:p/>
+        </p:txBody>
+      </p:sp>
+    </p:spTree>
+  </p:cSld>
+  <p:clrMapOvr>
+    <a:masterClrMapping/>
+  </p:clrMapOvr>
+</p:sld>
+</file>
+
 <file path=ppt/slides/slide3.xml><?xml version="1.0" encoding="utf-8"?>
 <p:sld xmlns:a="http://schemas.openxmlformats.org/drawingml/2006/main" xmlns:r="http://schemas.openxmlformats.org/officeDocument/2006/relationships" xmlns:p="http://schemas.openxmlformats.org/presentationml/2006/main">
   <p:cSld>

--- a/src/croco-blitz-source/Osennyaya_igra_3.pptx
+++ b/src/croco-blitz-source/Osennyaya_igra_3.pptx
@@ -306,7 +306,6 @@
     <p:sldId id="1368" r:id="rId297"/>
     <p:sldId id="1369" r:id="rId298"/>
     <p:sldId id="1370" r:id="rId299"/>
-    <p:sldId id="1386" r:id="rId305"/>
   </p:sldIdLst>
   <p:sldSz cx="12192000" cy="6858000"/>
   <p:notesSz cx="6858000" cy="9144000"/>
@@ -51838,58 +51837,6 @@
 </p:sld>
 </file>
 
-<file path=ppt/slides/slide299.xml><?xml version="1.0" encoding="utf-8"?>
-<p:sld xmlns:a="http://schemas.openxmlformats.org/drawingml/2006/main" xmlns:p="http://schemas.openxmlformats.org/presentationml/2006/main" xmlns:r="http://schemas.openxmlformats.org/officeDocument/2006/relationships">
-  <p:cSld>
-    <p:spTree>
-      <p:nvGrpSpPr>
-        <p:cNvPr id="1" name=""/>
-        <p:cNvGrpSpPr/>
-        <p:nvPr/>
-      </p:nvGrpSpPr>
-      <p:grpSpPr/>
-      <p:sp>
-        <p:nvSpPr>
-          <p:cNvPr id="2" name="Title 1"/>
-          <p:cNvSpPr>
-            <a:spLocks noGrp="1"/>
-          </p:cNvSpPr>
-          <p:nvPr>
-            <p:ph type="ctrTitle"/>
-          </p:nvPr>
-        </p:nvSpPr>
-        <p:spPr/>
-        <p:txBody>
-          <a:bodyPr/>
-          <a:lstStyle/>
-          <a:p/>
-        </p:txBody>
-      </p:sp>
-      <p:sp>
-        <p:nvSpPr>
-          <p:cNvPr id="3" name="Subtitle 2"/>
-          <p:cNvSpPr>
-            <a:spLocks noGrp="1"/>
-          </p:cNvSpPr>
-          <p:nvPr>
-            <p:ph type="subTitle" idx="1"/>
-          </p:nvPr>
-        </p:nvSpPr>
-        <p:spPr/>
-        <p:txBody>
-          <a:bodyPr/>
-          <a:lstStyle/>
-          <a:p/>
-        </p:txBody>
-      </p:sp>
-    </p:spTree>
-  </p:cSld>
-  <p:clrMapOvr>
-    <a:masterClrMapping/>
-  </p:clrMapOvr>
-</p:sld>
-</file>
-
 <file path=ppt/slides/slide3.xml><?xml version="1.0" encoding="utf-8"?>
 <p:sld xmlns:a="http://schemas.openxmlformats.org/drawingml/2006/main" xmlns:r="http://schemas.openxmlformats.org/officeDocument/2006/relationships" xmlns:p="http://schemas.openxmlformats.org/presentationml/2006/main">
   <p:cSld>
